--- a/zodiac-presentation.pptx
+++ b/zodiac-presentation.pptx
@@ -6,9 +6,10 @@
   </p:sldMasterIdLst>
   <p:sldIdLst>
     <p:sldId id="256" r:id="rId2"/>
-    <p:sldId id="258" r:id="rId3"/>
-    <p:sldId id="257" r:id="rId4"/>
+    <p:sldId id="260" r:id="rId3"/>
+    <p:sldId id="258" r:id="rId4"/>
     <p:sldId id="259" r:id="rId5"/>
+    <p:sldId id="257" r:id="rId6"/>
   </p:sldIdLst>
   <p:sldSz cx="12192000" cy="6858000"/>
   <p:notesSz cx="6858000" cy="9144000"/>
@@ -107,6 +108,11 @@
       </a:defRPr>
     </a:lvl9pPr>
   </p:defaultTextStyle>
+  <p:extLst>
+    <p:ext uri="{EFAFB233-063F-42B5-8137-9DF3F51BA10A}">
+      <p15:sldGuideLst xmlns:p15="http://schemas.microsoft.com/office/powerpoint/2012/main"/>
+    </p:ext>
+  </p:extLst>
 </p:presentation>
 </file>
 
@@ -337,7 +343,7 @@
             <a:fld id="{87DE6118-2437-4B30-8E3C-4D2BE6020583}" type="datetimeFigureOut">
               <a:rPr lang="en-US" smtClean="0"/>
               <a:pPr/>
-              <a:t>6/7/18</a:t>
+              <a:t>6/8/18</a:t>
             </a:fld>
             <a:endParaRPr lang="en-US" dirty="0"/>
           </a:p>
@@ -546,7 +552,7 @@
           <a:p>
             <a:fld id="{87DE6118-2437-4B30-8E3C-4D2BE6020583}" type="datetimeFigureOut">
               <a:rPr lang="en-US" smtClean="0"/>
-              <a:t>6/7/18</a:t>
+              <a:t>6/8/18</a:t>
             </a:fld>
             <a:endParaRPr lang="en-US" dirty="0"/>
           </a:p>
@@ -802,7 +808,7 @@
           <a:p>
             <a:fld id="{87DE6118-2437-4B30-8E3C-4D2BE6020583}" type="datetimeFigureOut">
               <a:rPr lang="en-US" smtClean="0"/>
-              <a:t>6/7/18</a:t>
+              <a:t>6/8/18</a:t>
             </a:fld>
             <a:endParaRPr lang="en-US" dirty="0"/>
           </a:p>
@@ -972,7 +978,7 @@
           <a:p>
             <a:fld id="{87DE6118-2437-4B30-8E3C-4D2BE6020583}" type="datetimeFigureOut">
               <a:rPr lang="en-US" smtClean="0"/>
-              <a:t>6/7/18</a:t>
+              <a:t>6/8/18</a:t>
             </a:fld>
             <a:endParaRPr lang="en-US" dirty="0"/>
           </a:p>
@@ -1316,7 +1322,7 @@
             <a:fld id="{87DE6118-2437-4B30-8E3C-4D2BE6020583}" type="datetimeFigureOut">
               <a:rPr lang="en-US" smtClean="0"/>
               <a:pPr/>
-              <a:t>6/7/18</a:t>
+              <a:t>6/8/18</a:t>
             </a:fld>
             <a:endParaRPr lang="en-US" dirty="0"/>
           </a:p>
@@ -1592,7 +1598,7 @@
           <a:p>
             <a:fld id="{87DE6118-2437-4B30-8E3C-4D2BE6020583}" type="datetimeFigureOut">
               <a:rPr lang="en-US" smtClean="0"/>
-              <a:t>6/7/18</a:t>
+              <a:t>6/8/18</a:t>
             </a:fld>
             <a:endParaRPr lang="en-US" dirty="0"/>
           </a:p>
@@ -1971,7 +1977,7 @@
           <a:p>
             <a:fld id="{87DE6118-2437-4B30-8E3C-4D2BE6020583}" type="datetimeFigureOut">
               <a:rPr lang="en-US" smtClean="0"/>
-              <a:t>6/7/18</a:t>
+              <a:t>6/8/18</a:t>
             </a:fld>
             <a:endParaRPr lang="en-US" dirty="0"/>
           </a:p>
@@ -2089,7 +2095,7 @@
           <a:p>
             <a:fld id="{87DE6118-2437-4B30-8E3C-4D2BE6020583}" type="datetimeFigureOut">
               <a:rPr lang="en-US" smtClean="0"/>
-              <a:t>6/7/18</a:t>
+              <a:t>6/8/18</a:t>
             </a:fld>
             <a:endParaRPr lang="en-US" dirty="0"/>
           </a:p>
@@ -2260,7 +2266,7 @@
           <a:p>
             <a:fld id="{87DE6118-2437-4B30-8E3C-4D2BE6020583}" type="datetimeFigureOut">
               <a:rPr lang="en-US" smtClean="0"/>
-              <a:t>6/7/18</a:t>
+              <a:t>6/8/18</a:t>
             </a:fld>
             <a:endParaRPr lang="en-US" dirty="0"/>
           </a:p>
@@ -2615,7 +2621,7 @@
             <a:fld id="{87DE6118-2437-4B30-8E3C-4D2BE6020583}" type="datetimeFigureOut">
               <a:rPr lang="en-US" smtClean="0"/>
               <a:pPr/>
-              <a:t>6/7/18</a:t>
+              <a:t>6/8/18</a:t>
             </a:fld>
             <a:endParaRPr lang="en-US" dirty="0"/>
           </a:p>
@@ -2994,7 +3000,7 @@
             <a:fld id="{87DE6118-2437-4B30-8E3C-4D2BE6020583}" type="datetimeFigureOut">
               <a:rPr lang="en-US" smtClean="0"/>
               <a:pPr/>
-              <a:t>6/7/18</a:t>
+              <a:t>6/8/18</a:t>
             </a:fld>
             <a:endParaRPr lang="en-US" dirty="0"/>
           </a:p>
@@ -3283,7 +3289,7 @@
             <a:fld id="{87DE6118-2437-4B30-8E3C-4D2BE6020583}" type="datetimeFigureOut">
               <a:rPr lang="en-US" smtClean="0"/>
               <a:pPr/>
-              <a:t>6/7/18</a:t>
+              <a:t>6/8/18</a:t>
             </a:fld>
             <a:endParaRPr lang="en-US" dirty="0"/>
           </a:p>
@@ -3973,79 +3979,84 @@
         </p:nvSpPr>
         <p:spPr/>
         <p:txBody>
-          <a:bodyPr anchor="b"/>
-          <a:lstStyle/>
-          <a:p>
-            <a:pPr algn="ctr"/>
-            <a:r>
-              <a:rPr lang="en-US" dirty="0" smtClean="0">
-                <a:hlinkClick r:id="rId2"/>
-              </a:rPr>
-              <a:t>Demo</a:t>
-            </a:r>
-            <a:endParaRPr lang="en-US" dirty="0"/>
-          </a:p>
-        </p:txBody>
-      </p:sp>
-      <p:pic>
-        <p:nvPicPr>
-          <p:cNvPr id="4" name="Content Placeholder 3"/>
-          <p:cNvPicPr>
-            <a:picLocks noGrp="1" noChangeAspect="1"/>
-          </p:cNvPicPr>
+          <a:bodyPr/>
+          <a:lstStyle/>
+          <a:p>
+            <a:r>
+              <a:rPr lang="en-US" dirty="0" smtClean="0"/>
+              <a:t>What is it?</a:t>
+            </a:r>
+            <a:endParaRPr lang="en-US" dirty="0"/>
+          </a:p>
+        </p:txBody>
+      </p:sp>
+      <p:sp>
+        <p:nvSpPr>
+          <p:cNvPr id="3" name="Content Placeholder 2"/>
+          <p:cNvSpPr>
+            <a:spLocks noGrp="1"/>
+          </p:cNvSpPr>
           <p:nvPr>
             <p:ph idx="1"/>
           </p:nvPr>
-        </p:nvPicPr>
-        <p:blipFill>
-          <a:blip r:embed="rId3">
-            <a:extLst>
-              <a:ext uri="{28A0092B-C50C-407E-A947-70E740481C1C}">
-                <a14:useLocalDpi xmlns:a14="http://schemas.microsoft.com/office/drawing/2010/main" val="0"/>
-              </a:ext>
-            </a:extLst>
-          </a:blip>
-          <a:stretch>
-            <a:fillRect/>
-          </a:stretch>
-        </p:blipFill>
-        <p:spPr>
-          <a:xfrm>
-            <a:off x="2681535" y="1838960"/>
-            <a:ext cx="6889890" cy="4306181"/>
-          </a:xfrm>
-        </p:spPr>
-      </p:pic>
-      <p:sp>
-        <p:nvSpPr>
-          <p:cNvPr id="5" name="TextBox 4"/>
-          <p:cNvSpPr txBox="1"/>
-          <p:nvPr/>
-        </p:nvSpPr>
-        <p:spPr>
-          <a:xfrm>
-            <a:off x="4199467" y="1095022"/>
-            <a:ext cx="184731" cy="369332"/>
-          </a:xfrm>
-          <a:prstGeom prst="rect">
-            <a:avLst/>
-          </a:prstGeom>
-          <a:noFill/>
-        </p:spPr>
-        <p:txBody>
-          <a:bodyPr wrap="none" rtlCol="0">
-            <a:spAutoFit/>
-          </a:bodyPr>
-          <a:lstStyle/>
-          <a:p>
-            <a:endParaRPr lang="en-US" dirty="0"/>
+        </p:nvSpPr>
+        <p:spPr/>
+        <p:txBody>
+          <a:bodyPr/>
+          <a:lstStyle/>
+          <a:p>
+            <a:pPr>
+              <a:buFont typeface="Arial" charset="0"/>
+              <a:buChar char="•"/>
+            </a:pPr>
+            <a:r>
+              <a:rPr lang="en-US" dirty="0" smtClean="0"/>
+              <a:t> This </a:t>
+            </a:r>
+            <a:r>
+              <a:rPr lang="en-US" dirty="0"/>
+              <a:t>is a Chinese zodiac card </a:t>
+            </a:r>
+            <a:r>
+              <a:rPr lang="en-US" dirty="0" smtClean="0"/>
+              <a:t>generator. </a:t>
+            </a:r>
+          </a:p>
+          <a:p>
+            <a:pPr>
+              <a:buFont typeface="Arial" charset="0"/>
+              <a:buChar char="•"/>
+            </a:pPr>
+            <a:r>
+              <a:rPr lang="en-US" dirty="0" smtClean="0"/>
+              <a:t> It </a:t>
+            </a:r>
+            <a:r>
+              <a:rPr lang="en-US" dirty="0"/>
+              <a:t>shows your Chinese zodiac animal personality traits, characteristics, love compatibility and lucky elements based on the year you are born. </a:t>
+            </a:r>
+            <a:endParaRPr lang="en-US" dirty="0" smtClean="0"/>
+          </a:p>
+          <a:p>
+            <a:pPr>
+              <a:buFont typeface="Arial" charset="0"/>
+              <a:buChar char="•"/>
+            </a:pPr>
+            <a:r>
+              <a:rPr lang="en-US" dirty="0" smtClean="0"/>
+              <a:t> It </a:t>
+            </a:r>
+            <a:r>
+              <a:rPr lang="en-US" dirty="0"/>
+              <a:t>also allows you to compare and contrast your zodiac animal traits with your partner's based on the birth year.</a:t>
+            </a:r>
           </a:p>
         </p:txBody>
       </p:sp>
     </p:spTree>
     <p:extLst>
       <p:ext uri="{BB962C8B-B14F-4D97-AF65-F5344CB8AC3E}">
-        <p14:creationId xmlns:p14="http://schemas.microsoft.com/office/powerpoint/2010/main" val="53333728"/>
+        <p14:creationId xmlns:p14="http://schemas.microsoft.com/office/powerpoint/2010/main" val="1986034373"/>
       </p:ext>
     </p:extLst>
   </p:cSld>
@@ -4091,65 +4102,79 @@
         </p:nvSpPr>
         <p:spPr/>
         <p:txBody>
-          <a:bodyPr/>
+          <a:bodyPr anchor="b"/>
           <a:lstStyle/>
           <a:p>
             <a:pPr algn="ctr"/>
             <a:r>
-              <a:rPr lang="en-US" dirty="0" smtClean="0"/>
-              <a:t>What is it?</a:t>
-            </a:r>
-            <a:endParaRPr lang="en-US" dirty="0"/>
-          </a:p>
-        </p:txBody>
-      </p:sp>
-      <p:sp>
-        <p:nvSpPr>
-          <p:cNvPr id="3" name="Content Placeholder 2"/>
-          <p:cNvSpPr>
-            <a:spLocks noGrp="1"/>
-          </p:cNvSpPr>
+              <a:rPr lang="en-US" dirty="0" smtClean="0">
+                <a:hlinkClick r:id="rId2"/>
+              </a:rPr>
+              <a:t>Demo</a:t>
+            </a:r>
+            <a:endParaRPr lang="en-US" dirty="0"/>
+          </a:p>
+        </p:txBody>
+      </p:sp>
+      <p:sp>
+        <p:nvSpPr>
+          <p:cNvPr id="5" name="TextBox 4"/>
+          <p:cNvSpPr txBox="1"/>
+          <p:nvPr/>
+        </p:nvSpPr>
+        <p:spPr>
+          <a:xfrm>
+            <a:off x="4199467" y="1095022"/>
+            <a:ext cx="184731" cy="369332"/>
+          </a:xfrm>
+          <a:prstGeom prst="rect">
+            <a:avLst/>
+          </a:prstGeom>
+          <a:noFill/>
+        </p:spPr>
+        <p:txBody>
+          <a:bodyPr wrap="none" rtlCol="0">
+            <a:spAutoFit/>
+          </a:bodyPr>
+          <a:lstStyle/>
+          <a:p>
+            <a:endParaRPr lang="en-US" dirty="0"/>
+          </a:p>
+        </p:txBody>
+      </p:sp>
+      <p:pic>
+        <p:nvPicPr>
+          <p:cNvPr id="7" name="Content Placeholder 6"/>
+          <p:cNvPicPr>
+            <a:picLocks noGrp="1" noChangeAspect="1"/>
+          </p:cNvPicPr>
           <p:nvPr>
             <p:ph idx="1"/>
           </p:nvPr>
-        </p:nvSpPr>
-        <p:spPr/>
-        <p:txBody>
-          <a:bodyPr anchor="ctr"/>
-          <a:lstStyle/>
-          <a:p>
-            <a:r>
-              <a:rPr lang="en-US" dirty="0" smtClean="0"/>
-              <a:t>- It is a Chinese zodiac info card generator. </a:t>
-            </a:r>
-          </a:p>
-          <a:p>
-            <a:r>
-              <a:rPr lang="en-US" dirty="0" smtClean="0"/>
-              <a:t>- It was difficult for to write simplify code, add event listeners to my click event. </a:t>
-            </a:r>
-          </a:p>
-          <a:p>
-            <a:r>
-              <a:rPr lang="en-US" dirty="0" smtClean="0"/>
-              <a:t>- I want to add a column so an user can see his/her partner’s zodiac card.</a:t>
-            </a:r>
-          </a:p>
-          <a:p>
-            <a:r>
-              <a:rPr lang="en-US" dirty="0" smtClean="0"/>
-              <a:t>- I want to add a spinner wheel game that randomly picks a zodiac partner based on the user’s zodiac sign. </a:t>
-            </a:r>
-          </a:p>
-          <a:p>
-            <a:endParaRPr lang="en-US" dirty="0"/>
-          </a:p>
-        </p:txBody>
-      </p:sp>
+        </p:nvPicPr>
+        <p:blipFill>
+          <a:blip r:embed="rId3">
+            <a:extLst>
+              <a:ext uri="{28A0092B-C50C-407E-A947-70E740481C1C}">
+                <a14:useLocalDpi xmlns:a14="http://schemas.microsoft.com/office/drawing/2010/main" val="0"/>
+              </a:ext>
+            </a:extLst>
+          </a:blip>
+          <a:stretch>
+            <a:fillRect/>
+          </a:stretch>
+        </p:blipFill>
+        <p:spPr>
+          <a:xfrm>
+            <a:off x="2907983" y="1846263"/>
+            <a:ext cx="6436360" cy="4022725"/>
+          </a:xfrm>
+        </p:spPr>
+      </p:pic>
     </p:spTree>
     <p:extLst>
       <p:ext uri="{BB962C8B-B14F-4D97-AF65-F5344CB8AC3E}">
-        <p14:creationId xmlns:p14="http://schemas.microsoft.com/office/powerpoint/2010/main" val="523868559"/>
+        <p14:creationId xmlns:p14="http://schemas.microsoft.com/office/powerpoint/2010/main" val="53333728"/>
       </p:ext>
     </p:extLst>
   </p:cSld>
@@ -4232,7 +4257,7 @@
         </p:blipFill>
         <p:spPr bwMode="auto">
           <a:xfrm>
-            <a:off x="2219304" y="2015596"/>
+            <a:off x="1565114" y="2052214"/>
             <a:ext cx="4395984" cy="2575772"/>
           </a:xfrm>
           <a:prstGeom prst="rect">
@@ -4259,7 +4284,7 @@
           <p:nvPr/>
         </p:nvPicPr>
         <p:blipFill>
-          <a:blip r:embed="rId3">
+          <a:blip r:embed="rId2">
             <a:extLst>
               <a:ext uri="{28A0092B-C50C-407E-A947-70E740481C1C}">
                 <a14:useLocalDpi xmlns:a14="http://schemas.microsoft.com/office/drawing/2010/main" val="0"/>
@@ -4273,7 +4298,7 @@
         </p:blipFill>
         <p:spPr bwMode="auto">
           <a:xfrm>
-            <a:off x="7202311" y="2354263"/>
+            <a:off x="6128424" y="2403089"/>
             <a:ext cx="2957689" cy="2957689"/>
           </a:xfrm>
           <a:prstGeom prst="rect">
@@ -4291,10 +4316,184 @@
           </a:extLst>
         </p:spPr>
       </p:pic>
+      <p:pic>
+        <p:nvPicPr>
+          <p:cNvPr id="1036" name="Picture 12" descr="mage result for browserify icon"/>
+          <p:cNvPicPr>
+            <a:picLocks noChangeAspect="1" noChangeArrowheads="1"/>
+          </p:cNvPicPr>
+          <p:nvPr/>
+        </p:nvPicPr>
+        <p:blipFill>
+          <a:blip r:embed="rId2">
+            <a:extLst>
+              <a:ext uri="{28A0092B-C50C-407E-A947-70E740481C1C}">
+                <a14:useLocalDpi xmlns:a14="http://schemas.microsoft.com/office/drawing/2010/main" val="0"/>
+              </a:ext>
+            </a:extLst>
+          </a:blip>
+          <a:srcRect/>
+          <a:stretch>
+            <a:fillRect/>
+          </a:stretch>
+        </p:blipFill>
+        <p:spPr bwMode="auto">
+          <a:xfrm>
+            <a:off x="9253439" y="2492487"/>
+            <a:ext cx="1762125" cy="1971675"/>
+          </a:xfrm>
+          <a:prstGeom prst="rect">
+            <a:avLst/>
+          </a:prstGeom>
+          <a:noFill/>
+          <a:extLst>
+            <a:ext uri="{909E8E84-426E-40DD-AFC4-6F175D3DCCD1}">
+              <a14:hiddenFill xmlns:a14="http://schemas.microsoft.com/office/drawing/2010/main">
+                <a:solidFill>
+                  <a:srgbClr val="FFFFFF"/>
+                </a:solidFill>
+              </a14:hiddenFill>
+            </a:ext>
+          </a:extLst>
+        </p:spPr>
+      </p:pic>
     </p:spTree>
     <p:extLst>
       <p:ext uri="{BB962C8B-B14F-4D97-AF65-F5344CB8AC3E}">
         <p14:creationId xmlns:p14="http://schemas.microsoft.com/office/powerpoint/2010/main" val="1769539793"/>
+      </p:ext>
+    </p:extLst>
+  </p:cSld>
+  <p:clrMapOvr>
+    <a:masterClrMapping/>
+  </p:clrMapOvr>
+  <p:timing>
+    <p:tnLst>
+      <p:par>
+        <p:cTn id="1" dur="indefinite" restart="never" nodeType="tmRoot"/>
+      </p:par>
+    </p:tnLst>
+  </p:timing>
+</p:sld>
+</file>
+
+<file path=ppt/slides/slide5.xml><?xml version="1.0" encoding="utf-8"?>
+<p:sld xmlns:a="http://schemas.openxmlformats.org/drawingml/2006/main" xmlns:r="http://schemas.openxmlformats.org/officeDocument/2006/relationships" xmlns:p="http://schemas.openxmlformats.org/presentationml/2006/main">
+  <p:cSld>
+    <p:spTree>
+      <p:nvGrpSpPr>
+        <p:cNvPr id="1" name=""/>
+        <p:cNvGrpSpPr/>
+        <p:nvPr/>
+      </p:nvGrpSpPr>
+      <p:grpSpPr>
+        <a:xfrm>
+          <a:off x="0" y="0"/>
+          <a:ext cx="0" cy="0"/>
+          <a:chOff x="0" y="0"/>
+          <a:chExt cx="0" cy="0"/>
+        </a:xfrm>
+      </p:grpSpPr>
+      <p:sp>
+        <p:nvSpPr>
+          <p:cNvPr id="2" name="Title 1"/>
+          <p:cNvSpPr>
+            <a:spLocks noGrp="1"/>
+          </p:cNvSpPr>
+          <p:nvPr>
+            <p:ph type="title"/>
+          </p:nvPr>
+        </p:nvSpPr>
+        <p:spPr/>
+        <p:txBody>
+          <a:bodyPr/>
+          <a:lstStyle/>
+          <a:p>
+            <a:pPr algn="ctr"/>
+            <a:r>
+              <a:rPr lang="en-US" dirty="0" smtClean="0"/>
+              <a:t>Summary</a:t>
+            </a:r>
+            <a:endParaRPr lang="en-US" dirty="0"/>
+          </a:p>
+        </p:txBody>
+      </p:sp>
+      <p:sp>
+        <p:nvSpPr>
+          <p:cNvPr id="3" name="Content Placeholder 2"/>
+          <p:cNvSpPr>
+            <a:spLocks noGrp="1"/>
+          </p:cNvSpPr>
+          <p:nvPr>
+            <p:ph idx="1"/>
+          </p:nvPr>
+        </p:nvSpPr>
+        <p:spPr/>
+        <p:txBody>
+          <a:bodyPr anchor="ctr"/>
+          <a:lstStyle/>
+          <a:p>
+            <a:pPr>
+              <a:buFont typeface="Arial" charset="0"/>
+              <a:buChar char="•"/>
+            </a:pPr>
+            <a:r>
+              <a:rPr lang="en-US" dirty="0"/>
+              <a:t> </a:t>
+            </a:r>
+            <a:r>
+              <a:rPr lang="en-US" dirty="0" smtClean="0"/>
+              <a:t>It was difficult to create the partner column and have the cards render in the right order</a:t>
+            </a:r>
+            <a:r>
+              <a:rPr lang="en-US" dirty="0" smtClean="0"/>
+              <a:t>. </a:t>
+            </a:r>
+            <a:endParaRPr lang="en-US" dirty="0" smtClean="0"/>
+          </a:p>
+          <a:p>
+            <a:pPr>
+              <a:buFont typeface="Arial" charset="0"/>
+              <a:buChar char="•"/>
+            </a:pPr>
+            <a:r>
+              <a:rPr lang="en-US" dirty="0"/>
+              <a:t> </a:t>
+            </a:r>
+            <a:r>
+              <a:rPr lang="en-US" dirty="0" smtClean="0"/>
+              <a:t>I </a:t>
+            </a:r>
+            <a:r>
+              <a:rPr lang="en-US" dirty="0" smtClean="0"/>
+              <a:t>want to add a button that randomly picks a zodiac partner for the user. </a:t>
+            </a:r>
+            <a:endParaRPr lang="en-US" dirty="0" smtClean="0"/>
+          </a:p>
+          <a:p>
+            <a:pPr>
+              <a:buFont typeface="Arial" charset="0"/>
+              <a:buChar char="•"/>
+            </a:pPr>
+            <a:r>
+              <a:rPr lang="en-US" dirty="0"/>
+              <a:t> </a:t>
+            </a:r>
+            <a:r>
+              <a:rPr lang="en-US" dirty="0" smtClean="0"/>
+              <a:t>I also want to add your daily horoscope.  </a:t>
+            </a:r>
+            <a:endParaRPr lang="en-US" dirty="0" smtClean="0"/>
+          </a:p>
+          <a:p>
+            <a:endParaRPr lang="en-US" dirty="0"/>
+          </a:p>
+        </p:txBody>
+      </p:sp>
+    </p:spTree>
+    <p:extLst>
+      <p:ext uri="{BB962C8B-B14F-4D97-AF65-F5344CB8AC3E}">
+        <p14:creationId xmlns:p14="http://schemas.microsoft.com/office/powerpoint/2010/main" val="523868559"/>
       </p:ext>
     </p:extLst>
   </p:cSld>
